--- a/2021/Kausik_Resume.pptx
+++ b/2021/Kausik_Resume.pptx
@@ -895,7 +895,7 @@
           <a:p>
             <a:fld id="{393F4C90-29F5-445F-979F-F15EE0C262FB}" type="datetimeFigureOut">
               <a:rPr lang="en-IN" smtClean="0"/>
-              <a:t>28-07-2020</a:t>
+              <a:t>19-08-2020</a:t>
             </a:fld>
             <a:endParaRPr lang="en-IN"/>
           </a:p>
@@ -1065,7 +1065,7 @@
           <a:p>
             <a:fld id="{393F4C90-29F5-445F-979F-F15EE0C262FB}" type="datetimeFigureOut">
               <a:rPr lang="en-IN" smtClean="0"/>
-              <a:t>28-07-2020</a:t>
+              <a:t>19-08-2020</a:t>
             </a:fld>
             <a:endParaRPr lang="en-IN"/>
           </a:p>
@@ -1245,7 +1245,7 @@
           <a:p>
             <a:fld id="{393F4C90-29F5-445F-979F-F15EE0C262FB}" type="datetimeFigureOut">
               <a:rPr lang="en-IN" smtClean="0"/>
-              <a:t>28-07-2020</a:t>
+              <a:t>19-08-2020</a:t>
             </a:fld>
             <a:endParaRPr lang="en-IN"/>
           </a:p>
@@ -1415,7 +1415,7 @@
           <a:p>
             <a:fld id="{393F4C90-29F5-445F-979F-F15EE0C262FB}" type="datetimeFigureOut">
               <a:rPr lang="en-IN" smtClean="0"/>
-              <a:t>28-07-2020</a:t>
+              <a:t>19-08-2020</a:t>
             </a:fld>
             <a:endParaRPr lang="en-IN"/>
           </a:p>
@@ -1659,7 +1659,7 @@
           <a:p>
             <a:fld id="{393F4C90-29F5-445F-979F-F15EE0C262FB}" type="datetimeFigureOut">
               <a:rPr lang="en-IN" smtClean="0"/>
-              <a:t>28-07-2020</a:t>
+              <a:t>19-08-2020</a:t>
             </a:fld>
             <a:endParaRPr lang="en-IN"/>
           </a:p>
@@ -1891,7 +1891,7 @@
           <a:p>
             <a:fld id="{393F4C90-29F5-445F-979F-F15EE0C262FB}" type="datetimeFigureOut">
               <a:rPr lang="en-IN" smtClean="0"/>
-              <a:t>28-07-2020</a:t>
+              <a:t>19-08-2020</a:t>
             </a:fld>
             <a:endParaRPr lang="en-IN"/>
           </a:p>
@@ -2258,7 +2258,7 @@
           <a:p>
             <a:fld id="{393F4C90-29F5-445F-979F-F15EE0C262FB}" type="datetimeFigureOut">
               <a:rPr lang="en-IN" smtClean="0"/>
-              <a:t>28-07-2020</a:t>
+              <a:t>19-08-2020</a:t>
             </a:fld>
             <a:endParaRPr lang="en-IN"/>
           </a:p>
@@ -2376,7 +2376,7 @@
           <a:p>
             <a:fld id="{393F4C90-29F5-445F-979F-F15EE0C262FB}" type="datetimeFigureOut">
               <a:rPr lang="en-IN" smtClean="0"/>
-              <a:t>28-07-2020</a:t>
+              <a:t>19-08-2020</a:t>
             </a:fld>
             <a:endParaRPr lang="en-IN"/>
           </a:p>
@@ -2471,7 +2471,7 @@
           <a:p>
             <a:fld id="{393F4C90-29F5-445F-979F-F15EE0C262FB}" type="datetimeFigureOut">
               <a:rPr lang="en-IN" smtClean="0"/>
-              <a:t>28-07-2020</a:t>
+              <a:t>19-08-2020</a:t>
             </a:fld>
             <a:endParaRPr lang="en-IN"/>
           </a:p>
@@ -2748,7 +2748,7 @@
           <a:p>
             <a:fld id="{393F4C90-29F5-445F-979F-F15EE0C262FB}" type="datetimeFigureOut">
               <a:rPr lang="en-IN" smtClean="0"/>
-              <a:t>28-07-2020</a:t>
+              <a:t>19-08-2020</a:t>
             </a:fld>
             <a:endParaRPr lang="en-IN"/>
           </a:p>
@@ -3005,7 +3005,7 @@
           <a:p>
             <a:fld id="{393F4C90-29F5-445F-979F-F15EE0C262FB}" type="datetimeFigureOut">
               <a:rPr lang="en-IN" smtClean="0"/>
-              <a:t>28-07-2020</a:t>
+              <a:t>19-08-2020</a:t>
             </a:fld>
             <a:endParaRPr lang="en-IN"/>
           </a:p>
@@ -3218,7 +3218,7 @@
           <a:p>
             <a:fld id="{393F4C90-29F5-445F-979F-F15EE0C262FB}" type="datetimeFigureOut">
               <a:rPr lang="en-IN" smtClean="0"/>
-              <a:t>28-07-2020</a:t>
+              <a:t>19-08-2020</a:t>
             </a:fld>
             <a:endParaRPr lang="en-IN"/>
           </a:p>
@@ -3937,7 +3937,7 @@
                 </a:solidFill>
                 <a:latin typeface="Tw Cen MT" panose="020B0602020104020603" pitchFamily="34" charset="0"/>
               </a:rPr>
-              <a:t>Computer Engineering	                9.35 CGPA</a:t>
+              <a:t>Computer Engineering	                9.37 CGPA</a:t>
             </a:r>
           </a:p>
           <a:p>

--- a/2021/Kausik_Resume.pptx
+++ b/2021/Kausik_Resume.pptx
@@ -895,7 +895,7 @@
           <a:p>
             <a:fld id="{393F4C90-29F5-445F-979F-F15EE0C262FB}" type="datetimeFigureOut">
               <a:rPr lang="en-IN" smtClean="0"/>
-              <a:t>19-08-2020</a:t>
+              <a:t>29-11-2020</a:t>
             </a:fld>
             <a:endParaRPr lang="en-IN"/>
           </a:p>
@@ -1065,7 +1065,7 @@
           <a:p>
             <a:fld id="{393F4C90-29F5-445F-979F-F15EE0C262FB}" type="datetimeFigureOut">
               <a:rPr lang="en-IN" smtClean="0"/>
-              <a:t>19-08-2020</a:t>
+              <a:t>29-11-2020</a:t>
             </a:fld>
             <a:endParaRPr lang="en-IN"/>
           </a:p>
@@ -1245,7 +1245,7 @@
           <a:p>
             <a:fld id="{393F4C90-29F5-445F-979F-F15EE0C262FB}" type="datetimeFigureOut">
               <a:rPr lang="en-IN" smtClean="0"/>
-              <a:t>19-08-2020</a:t>
+              <a:t>29-11-2020</a:t>
             </a:fld>
             <a:endParaRPr lang="en-IN"/>
           </a:p>
@@ -1415,7 +1415,7 @@
           <a:p>
             <a:fld id="{393F4C90-29F5-445F-979F-F15EE0C262FB}" type="datetimeFigureOut">
               <a:rPr lang="en-IN" smtClean="0"/>
-              <a:t>19-08-2020</a:t>
+              <a:t>29-11-2020</a:t>
             </a:fld>
             <a:endParaRPr lang="en-IN"/>
           </a:p>
@@ -1659,7 +1659,7 @@
           <a:p>
             <a:fld id="{393F4C90-29F5-445F-979F-F15EE0C262FB}" type="datetimeFigureOut">
               <a:rPr lang="en-IN" smtClean="0"/>
-              <a:t>19-08-2020</a:t>
+              <a:t>29-11-2020</a:t>
             </a:fld>
             <a:endParaRPr lang="en-IN"/>
           </a:p>
@@ -1891,7 +1891,7 @@
           <a:p>
             <a:fld id="{393F4C90-29F5-445F-979F-F15EE0C262FB}" type="datetimeFigureOut">
               <a:rPr lang="en-IN" smtClean="0"/>
-              <a:t>19-08-2020</a:t>
+              <a:t>29-11-2020</a:t>
             </a:fld>
             <a:endParaRPr lang="en-IN"/>
           </a:p>
@@ -2258,7 +2258,7 @@
           <a:p>
             <a:fld id="{393F4C90-29F5-445F-979F-F15EE0C262FB}" type="datetimeFigureOut">
               <a:rPr lang="en-IN" smtClean="0"/>
-              <a:t>19-08-2020</a:t>
+              <a:t>29-11-2020</a:t>
             </a:fld>
             <a:endParaRPr lang="en-IN"/>
           </a:p>
@@ -2376,7 +2376,7 @@
           <a:p>
             <a:fld id="{393F4C90-29F5-445F-979F-F15EE0C262FB}" type="datetimeFigureOut">
               <a:rPr lang="en-IN" smtClean="0"/>
-              <a:t>19-08-2020</a:t>
+              <a:t>29-11-2020</a:t>
             </a:fld>
             <a:endParaRPr lang="en-IN"/>
           </a:p>
@@ -2471,7 +2471,7 @@
           <a:p>
             <a:fld id="{393F4C90-29F5-445F-979F-F15EE0C262FB}" type="datetimeFigureOut">
               <a:rPr lang="en-IN" smtClean="0"/>
-              <a:t>19-08-2020</a:t>
+              <a:t>29-11-2020</a:t>
             </a:fld>
             <a:endParaRPr lang="en-IN"/>
           </a:p>
@@ -2748,7 +2748,7 @@
           <a:p>
             <a:fld id="{393F4C90-29F5-445F-979F-F15EE0C262FB}" type="datetimeFigureOut">
               <a:rPr lang="en-IN" smtClean="0"/>
-              <a:t>19-08-2020</a:t>
+              <a:t>29-11-2020</a:t>
             </a:fld>
             <a:endParaRPr lang="en-IN"/>
           </a:p>
@@ -3005,7 +3005,7 @@
           <a:p>
             <a:fld id="{393F4C90-29F5-445F-979F-F15EE0C262FB}" type="datetimeFigureOut">
               <a:rPr lang="en-IN" smtClean="0"/>
-              <a:t>19-08-2020</a:t>
+              <a:t>29-11-2020</a:t>
             </a:fld>
             <a:endParaRPr lang="en-IN"/>
           </a:p>
@@ -3218,7 +3218,7 @@
           <a:p>
             <a:fld id="{393F4C90-29F5-445F-979F-F15EE0C262FB}" type="datetimeFigureOut">
               <a:rPr lang="en-IN" smtClean="0"/>
-              <a:t>19-08-2020</a:t>
+              <a:t>29-11-2020</a:t>
             </a:fld>
             <a:endParaRPr lang="en-IN"/>
           </a:p>
@@ -4260,7 +4260,7 @@
         </p:nvSpPr>
         <p:spPr>
           <a:xfrm>
-            <a:off x="612320" y="3933214"/>
+            <a:off x="612320" y="3854741"/>
             <a:ext cx="2216257" cy="646331"/>
           </a:xfrm>
           <a:prstGeom prst="rect">
@@ -4387,7 +4387,7 @@
                 </a:solidFill>
                 <a:latin typeface="Tw Cen MT" panose="020B0602020104020603" pitchFamily="34" charset="0"/>
               </a:rPr>
-              <a:t>Research Intern</a:t>
+              <a:t>Development Intern</a:t>
             </a:r>
             <a:endParaRPr lang="en-IN" sz="1200" dirty="0">
               <a:solidFill>
@@ -4401,7 +4401,7 @@
               <a:rPr lang="en-IN" sz="1200" dirty="0">
                 <a:latin typeface="Tw Cen MT" panose="020B0602020104020603" pitchFamily="34" charset="0"/>
               </a:rPr>
-              <a:t>eBramha Inc</a:t>
+              <a:t>Avataar.me</a:t>
             </a:r>
           </a:p>
           <a:p>
@@ -4409,7 +4409,7 @@
               <a:rPr lang="en-IN" sz="1200" dirty="0">
                 <a:latin typeface="Tw Cen MT" panose="020B0602020104020603" pitchFamily="34" charset="0"/>
               </a:rPr>
-              <a:t>1 month</a:t>
+              <a:t>3 months</a:t>
             </a:r>
           </a:p>
         </p:txBody>
@@ -4721,7 +4721,7 @@
                   <a:schemeClr val="tx1"/>
                 </a:solidFill>
               </a:rPr>
-              <a:t>AR</a:t>
+              <a:t>AR/VR</a:t>
             </a:r>
           </a:p>
         </p:txBody>
@@ -5262,8 +5262,8 @@
         </p:nvSpPr>
         <p:spPr>
           <a:xfrm>
-            <a:off x="3604075" y="3766180"/>
-            <a:ext cx="777422" cy="45719"/>
+            <a:off x="3604074" y="3766180"/>
+            <a:ext cx="826341" cy="45719"/>
           </a:xfrm>
           <a:prstGeom prst="rect">
             <a:avLst/>
@@ -5361,7 +5361,7 @@
         <p:spPr>
           <a:xfrm>
             <a:off x="3610561" y="4206036"/>
-            <a:ext cx="802203" cy="53904"/>
+            <a:ext cx="829738" cy="45719"/>
           </a:xfrm>
           <a:prstGeom prst="rect">
             <a:avLst/>
@@ -6404,7 +6404,7 @@
         </p:nvSpPr>
         <p:spPr>
           <a:xfrm>
-            <a:off x="461707" y="9007718"/>
+            <a:off x="504931" y="9680562"/>
             <a:ext cx="2014779" cy="276999"/>
           </a:xfrm>
           <a:prstGeom prst="rect">
@@ -6438,7 +6438,7 @@
         </p:nvSpPr>
         <p:spPr>
           <a:xfrm>
-            <a:off x="575971" y="9288534"/>
+            <a:off x="606116" y="9923384"/>
             <a:ext cx="2216257" cy="276999"/>
           </a:xfrm>
           <a:prstGeom prst="rect">
@@ -7520,7 +7520,7 @@
         </p:nvSpPr>
         <p:spPr>
           <a:xfrm>
-            <a:off x="575520" y="4644782"/>
+            <a:off x="579358" y="5258857"/>
             <a:ext cx="2324480" cy="830997"/>
           </a:xfrm>
           <a:prstGeom prst="rect">
@@ -7593,7 +7593,7 @@
         </p:nvSpPr>
         <p:spPr>
           <a:xfrm>
-            <a:off x="588202" y="5643682"/>
+            <a:off x="583550" y="6045025"/>
             <a:ext cx="2216257" cy="830997"/>
           </a:xfrm>
           <a:prstGeom prst="rect">
@@ -7994,6 +7994,73 @@
                 <a:latin typeface="Tw Cen MT" panose="020B0602020104020603" pitchFamily="34" charset="0"/>
               </a:rPr>
               <a:t>5 months</a:t>
+            </a:r>
+          </a:p>
+        </p:txBody>
+      </p:sp>
+      <p:sp>
+        <p:nvSpPr>
+          <p:cNvPr id="98" name="TextBox 97">
+            <a:extLst>
+              <a:ext uri="{FF2B5EF4-FFF2-40B4-BE49-F238E27FC236}">
+                <a16:creationId xmlns:a16="http://schemas.microsoft.com/office/drawing/2014/main" id="{DCAB3FA8-D6E0-4BEF-B2AB-F0693C16E4BA}"/>
+              </a:ext>
+            </a:extLst>
+          </p:cNvPr>
+          <p:cNvSpPr txBox="1"/>
+          <p:nvPr/>
+        </p:nvSpPr>
+        <p:spPr>
+          <a:xfrm>
+            <a:off x="591141" y="4492276"/>
+            <a:ext cx="2324480" cy="830997"/>
+          </a:xfrm>
+          <a:prstGeom prst="rect">
+            <a:avLst/>
+          </a:prstGeom>
+          <a:noFill/>
+        </p:spPr>
+        <p:txBody>
+          <a:bodyPr wrap="square" rtlCol="0">
+            <a:spAutoFit/>
+          </a:bodyPr>
+          <a:lstStyle/>
+          <a:p>
+            <a:r>
+              <a:rPr lang="en-IN" sz="1200" b="1" dirty="0">
+                <a:solidFill>
+                  <a:schemeClr val="accent2"/>
+                </a:solidFill>
+                <a:latin typeface="Tw Cen MT" panose="020B0602020104020603" pitchFamily="34" charset="0"/>
+              </a:rPr>
+              <a:t>Stat Masking of BERT</a:t>
+            </a:r>
+          </a:p>
+          <a:p>
+            <a:r>
+              <a:rPr lang="en-IN" sz="1200" b="1" dirty="0">
+                <a:solidFill>
+                  <a:schemeClr val="accent2"/>
+                </a:solidFill>
+                <a:latin typeface="Tw Cen MT" panose="020B0602020104020603" pitchFamily="34" charset="0"/>
+              </a:rPr>
+              <a:t>NLP project</a:t>
+            </a:r>
+          </a:p>
+          <a:p>
+            <a:r>
+              <a:rPr lang="en-IN" sz="1200" dirty="0">
+                <a:latin typeface="Tw Cen MT" panose="020B0602020104020603" pitchFamily="34" charset="0"/>
+              </a:rPr>
+              <a:t>Guided by: Dr. Sivaselvan</a:t>
+            </a:r>
+          </a:p>
+          <a:p>
+            <a:r>
+              <a:rPr lang="en-IN" sz="1200" dirty="0">
+                <a:latin typeface="Tw Cen MT" panose="020B0602020104020603" pitchFamily="34" charset="0"/>
+              </a:rPr>
+              <a:t>IIITDM Kancheepuram</a:t>
             </a:r>
           </a:p>
         </p:txBody>
